--- a/docs/final project erlang - presentation.pptx
+++ b/docs/final project erlang - presentation.pptx
@@ -5,7 +5,7 @@
     <p:sldMasterId id="2147483859" r:id="rId1"/>
   </p:sldMasterIdLst>
   <p:notesMasterIdLst>
-    <p:notesMasterId r:id="rId15"/>
+    <p:notesMasterId r:id="rId17"/>
   </p:notesMasterIdLst>
   <p:sldIdLst>
     <p:sldId id="256" r:id="rId2"/>
@@ -20,7 +20,9 @@
     <p:sldId id="265" r:id="rId11"/>
     <p:sldId id="264" r:id="rId12"/>
     <p:sldId id="263" r:id="rId13"/>
-    <p:sldId id="267" r:id="rId14"/>
+    <p:sldId id="269" r:id="rId14"/>
+    <p:sldId id="270" r:id="rId15"/>
+    <p:sldId id="267" r:id="rId16"/>
   </p:sldIdLst>
   <p:sldSz cx="12192000" cy="6858000"/>
   <p:notesSz cx="6858000" cy="9144000"/>
@@ -7753,12 +7755,889 @@
           <a:chExt cx="0" cy="0"/>
         </a:xfrm>
       </p:grpSpPr>
+      <p:sp>
+        <p:nvSpPr>
+          <p:cNvPr id="2" name="Title 1">
+            <a:extLst>
+              <a:ext uri="{FF2B5EF4-FFF2-40B4-BE49-F238E27FC236}">
+                <a16:creationId xmlns:a16="http://schemas.microsoft.com/office/drawing/2014/main" id="{8CA6A2D7-4FA3-4917-9572-B9B3852310BE}"/>
+              </a:ext>
+            </a:extLst>
+          </p:cNvPr>
+          <p:cNvSpPr>
+            <a:spLocks noGrp="1"/>
+          </p:cNvSpPr>
+          <p:nvPr>
+            <p:ph type="title"/>
+          </p:nvPr>
+        </p:nvSpPr>
+        <p:spPr>
+          <a:xfrm>
+            <a:off x="646112" y="452718"/>
+            <a:ext cx="4798176" cy="1400530"/>
+          </a:xfrm>
+        </p:spPr>
+        <p:txBody>
+          <a:bodyPr>
+            <a:normAutofit/>
+          </a:bodyPr>
+          <a:lstStyle/>
+          <a:p>
+            <a:r>
+              <a:rPr lang="en-US" dirty="0"/>
+              <a:t>Statistics</a:t>
+            </a:r>
+            <a:endParaRPr lang="en-IL" dirty="0"/>
+          </a:p>
+        </p:txBody>
+      </p:sp>
+      <p:sp>
+        <p:nvSpPr>
+          <p:cNvPr id="23" name="Rectangle 22">
+            <a:extLst>
+              <a:ext uri="{FF2B5EF4-FFF2-40B4-BE49-F238E27FC236}">
+                <a16:creationId xmlns:a16="http://schemas.microsoft.com/office/drawing/2014/main" id="{D7FF9F1B-2FE4-4C47-AE86-61AF9A0A5C5C}"/>
+              </a:ext>
+              <a:ext uri="{C183D7F6-B498-43B3-948B-1728B52AA6E4}">
+                <adec:decorative xmlns:adec="http://schemas.microsoft.com/office/drawing/2017/decorative" val="1"/>
+              </a:ext>
+            </a:extLst>
+          </p:cNvPr>
+          <p:cNvSpPr>
+            <a:spLocks noGrp="1" noRot="1" noChangeAspect="1" noMove="1" noResize="1" noEditPoints="1" noAdjustHandles="1" noChangeArrowheads="1" noChangeShapeType="1" noTextEdit="1"/>
+          </p:cNvSpPr>
+          <p:nvPr>
+            <p:extLst>
+              <p:ext uri="{386F3935-93C4-4BCD-93E2-E3B085C9AB24}">
+                <p16:designElem xmlns:p16="http://schemas.microsoft.com/office/powerpoint/2015/main" val="1"/>
+              </p:ext>
+            </p:extLst>
+          </p:nvPr>
+        </p:nvSpPr>
+        <p:spPr>
+          <a:xfrm>
+            <a:off x="6092950" y="0"/>
+            <a:ext cx="6099050" cy="6858000"/>
+          </a:xfrm>
+          <a:prstGeom prst="rect">
+            <a:avLst/>
+          </a:prstGeom>
+          <a:solidFill>
+            <a:srgbClr val="FFFFFF"/>
+          </a:solidFill>
+          <a:ln>
+            <a:noFill/>
+          </a:ln>
+        </p:spPr>
+        <p:style>
+          <a:lnRef idx="2">
+            <a:schemeClr val="accent1">
+              <a:shade val="50000"/>
+            </a:schemeClr>
+          </a:lnRef>
+          <a:fillRef idx="1">
+            <a:schemeClr val="accent1"/>
+          </a:fillRef>
+          <a:effectRef idx="0">
+            <a:schemeClr val="accent1"/>
+          </a:effectRef>
+          <a:fontRef idx="minor">
+            <a:schemeClr val="lt1"/>
+          </a:fontRef>
+        </p:style>
+        <p:txBody>
+          <a:bodyPr rtlCol="0" anchor="ctr"/>
+          <a:lstStyle/>
+          <a:p>
+            <a:pPr algn="ctr"/>
+            <a:endParaRPr lang="en-US"/>
+          </a:p>
+        </p:txBody>
+      </p:sp>
+      <p:sp>
+        <p:nvSpPr>
+          <p:cNvPr id="25" name="Rounded Rectangle 24">
+            <a:extLst>
+              <a:ext uri="{FF2B5EF4-FFF2-40B4-BE49-F238E27FC236}">
+                <a16:creationId xmlns:a16="http://schemas.microsoft.com/office/drawing/2014/main" id="{1A2AE32A-13F5-4BB2-B882-CD31344A6798}"/>
+              </a:ext>
+              <a:ext uri="{C183D7F6-B498-43B3-948B-1728B52AA6E4}">
+                <adec:decorative xmlns:adec="http://schemas.microsoft.com/office/drawing/2017/decorative" val="1"/>
+              </a:ext>
+            </a:extLst>
+          </p:cNvPr>
+          <p:cNvSpPr>
+            <a:spLocks noGrp="1" noRot="1" noChangeAspect="1" noMove="1" noResize="1" noEditPoints="1" noAdjustHandles="1" noChangeArrowheads="1" noChangeShapeType="1" noTextEdit="1"/>
+          </p:cNvSpPr>
+          <p:nvPr>
+            <p:extLst>
+              <p:ext uri="{386F3935-93C4-4BCD-93E2-E3B085C9AB24}">
+                <p16:designElem xmlns:p16="http://schemas.microsoft.com/office/powerpoint/2015/main" val="1"/>
+              </p:ext>
+            </p:extLst>
+          </p:nvPr>
+        </p:nvSpPr>
+        <p:spPr>
+          <a:xfrm>
+            <a:off x="6577582" y="484632"/>
+            <a:ext cx="5130204" cy="5739187"/>
+          </a:xfrm>
+          <a:prstGeom prst="roundRect">
+            <a:avLst>
+              <a:gd name="adj" fmla="val 0"/>
+            </a:avLst>
+          </a:prstGeom>
+          <a:solidFill>
+            <a:schemeClr val="tx1"/>
+          </a:solidFill>
+          <a:ln w="12700">
+            <a:solidFill>
+              <a:schemeClr val="tx2">
+                <a:lumMod val="75000"/>
+              </a:schemeClr>
+            </a:solidFill>
+          </a:ln>
+          <a:effectLst>
+            <a:outerShdw blurRad="50800" dist="50800" dir="5400000" algn="tl" rotWithShape="0">
+              <a:srgbClr val="000000">
+                <a:alpha val="43000"/>
+              </a:srgbClr>
+            </a:outerShdw>
+          </a:effectLst>
+        </p:spPr>
+        <p:style>
+          <a:lnRef idx="2">
+            <a:schemeClr val="accent1">
+              <a:shade val="50000"/>
+            </a:schemeClr>
+          </a:lnRef>
+          <a:fillRef idx="1">
+            <a:schemeClr val="accent1"/>
+          </a:fillRef>
+          <a:effectRef idx="0">
+            <a:schemeClr val="accent1"/>
+          </a:effectRef>
+          <a:fontRef idx="minor">
+            <a:schemeClr val="lt1"/>
+          </a:fontRef>
+        </p:style>
+        <p:txBody>
+          <a:bodyPr rtlCol="0" anchor="ctr"/>
+          <a:lstStyle/>
+          <a:p>
+            <a:pPr algn="ctr"/>
+            <a:endParaRPr lang="en-US"/>
+          </a:p>
+        </p:txBody>
+      </p:sp>
       <p:pic>
         <p:nvPicPr>
-          <p:cNvPr id="30" name="Picture 29">
+          <p:cNvPr id="5" name="Content Placeholder 4" descr="Chart, line chart&#10;&#10;Description automatically generated">
             <a:extLst>
               <a:ext uri="{FF2B5EF4-FFF2-40B4-BE49-F238E27FC236}">
-                <a16:creationId xmlns:a16="http://schemas.microsoft.com/office/drawing/2014/main" id="{41B68C77-138E-4BF7-A276-BD0C78A4219F}"/>
+                <a16:creationId xmlns:a16="http://schemas.microsoft.com/office/drawing/2014/main" id="{D2581789-ABE9-49E4-B403-581F983E0C5C}"/>
+              </a:ext>
+            </a:extLst>
+          </p:cNvPr>
+          <p:cNvPicPr>
+            <a:picLocks noChangeAspect="1"/>
+          </p:cNvPicPr>
+          <p:nvPr/>
+        </p:nvPicPr>
+        <p:blipFill>
+          <a:blip r:embed="rId3">
+            <a:extLst>
+              <a:ext uri="{28A0092B-C50C-407E-A947-70E740481C1C}">
+                <a14:useLocalDpi xmlns:a14="http://schemas.microsoft.com/office/drawing/2010/main" val="0"/>
+              </a:ext>
+            </a:extLst>
+          </a:blip>
+          <a:stretch>
+            <a:fillRect/>
+          </a:stretch>
+        </p:blipFill>
+        <p:spPr>
+          <a:xfrm>
+            <a:off x="7164779" y="967431"/>
+            <a:ext cx="3955811" cy="2363598"/>
+          </a:xfrm>
+          <a:prstGeom prst="rect">
+            <a:avLst/>
+          </a:prstGeom>
+          <a:effectLst/>
+        </p:spPr>
+      </p:pic>
+      <p:sp>
+        <p:nvSpPr>
+          <p:cNvPr id="27" name="Rectangle 26">
+            <a:extLst>
+              <a:ext uri="{FF2B5EF4-FFF2-40B4-BE49-F238E27FC236}">
+                <a16:creationId xmlns:a16="http://schemas.microsoft.com/office/drawing/2014/main" id="{B339C689-80E0-4CF1-953E-9AFC467262EF}"/>
+              </a:ext>
+              <a:ext uri="{C183D7F6-B498-43B3-948B-1728B52AA6E4}">
+                <adec:decorative xmlns:adec="http://schemas.microsoft.com/office/drawing/2017/decorative" val="1"/>
+              </a:ext>
+            </a:extLst>
+          </p:cNvPr>
+          <p:cNvSpPr>
+            <a:spLocks noGrp="1" noRot="1" noChangeAspect="1" noMove="1" noResize="1" noEditPoints="1" noAdjustHandles="1" noChangeArrowheads="1" noChangeShapeType="1" noTextEdit="1"/>
+          </p:cNvSpPr>
+          <p:nvPr>
+            <p:extLst>
+              <p:ext uri="{386F3935-93C4-4BCD-93E2-E3B085C9AB24}">
+                <p16:designElem xmlns:p16="http://schemas.microsoft.com/office/powerpoint/2015/main" val="1"/>
+              </p:ext>
+            </p:extLst>
+          </p:nvPr>
+        </p:nvSpPr>
+        <p:spPr>
+          <a:xfrm>
+            <a:off x="10442448" y="0"/>
+            <a:ext cx="685800" cy="1143000"/>
+          </a:xfrm>
+          <a:prstGeom prst="rect">
+            <a:avLst/>
+          </a:prstGeom>
+          <a:solidFill>
+            <a:schemeClr val="accent1"/>
+          </a:solidFill>
+          <a:ln>
+            <a:noFill/>
+          </a:ln>
+        </p:spPr>
+        <p:style>
+          <a:lnRef idx="1">
+            <a:schemeClr val="accent1"/>
+          </a:lnRef>
+          <a:fillRef idx="3">
+            <a:schemeClr val="accent1"/>
+          </a:fillRef>
+          <a:effectRef idx="2">
+            <a:schemeClr val="accent1"/>
+          </a:effectRef>
+          <a:fontRef idx="minor">
+            <a:schemeClr val="lt1"/>
+          </a:fontRef>
+        </p:style>
+      </p:sp>
+      <p:sp>
+        <p:nvSpPr>
+          <p:cNvPr id="24" name="Content Placeholder 10">
+            <a:extLst>
+              <a:ext uri="{FF2B5EF4-FFF2-40B4-BE49-F238E27FC236}">
+                <a16:creationId xmlns:a16="http://schemas.microsoft.com/office/drawing/2014/main" id="{27AB7144-7AC0-4FA0-B388-61FE334F9521}"/>
+              </a:ext>
+            </a:extLst>
+          </p:cNvPr>
+          <p:cNvSpPr>
+            <a:spLocks noGrp="1"/>
+          </p:cNvSpPr>
+          <p:nvPr>
+            <p:ph idx="1"/>
+          </p:nvPr>
+        </p:nvSpPr>
+        <p:spPr>
+          <a:xfrm>
+            <a:off x="646113" y="2052918"/>
+            <a:ext cx="4797676" cy="4195481"/>
+          </a:xfrm>
+        </p:spPr>
+        <p:txBody>
+          <a:bodyPr>
+            <a:normAutofit/>
+          </a:bodyPr>
+          <a:lstStyle/>
+          <a:p>
+            <a:r>
+              <a:rPr lang="en-US"/>
+              <a:t>Here we can see the difference in the amount of total messages sent between all servers.</a:t>
+            </a:r>
+          </a:p>
+          <a:p>
+            <a:endParaRPr lang="en-US"/>
+          </a:p>
+          <a:p>
+            <a:r>
+              <a:rPr lang="en-US"/>
+              <a:t>We can see that when 4 computers are running, a lot more messages are being sent, and the main reason will be communications and transitions between computers</a:t>
+            </a:r>
+          </a:p>
+        </p:txBody>
+      </p:sp>
+      <p:pic>
+        <p:nvPicPr>
+          <p:cNvPr id="7" name="Picture 6" descr="Chart, line chart&#10;&#10;Description automatically generated">
+            <a:extLst>
+              <a:ext uri="{FF2B5EF4-FFF2-40B4-BE49-F238E27FC236}">
+                <a16:creationId xmlns:a16="http://schemas.microsoft.com/office/drawing/2014/main" id="{8362CE14-F18F-4568-B7C7-CF4A70655C35}"/>
+              </a:ext>
+            </a:extLst>
+          </p:cNvPr>
+          <p:cNvPicPr>
+            <a:picLocks noChangeAspect="1"/>
+          </p:cNvPicPr>
+          <p:nvPr/>
+        </p:nvPicPr>
+        <p:blipFill>
+          <a:blip r:embed="rId4">
+            <a:extLst>
+              <a:ext uri="{28A0092B-C50C-407E-A947-70E740481C1C}">
+                <a14:useLocalDpi xmlns:a14="http://schemas.microsoft.com/office/drawing/2010/main" val="0"/>
+              </a:ext>
+            </a:extLst>
+          </a:blip>
+          <a:stretch>
+            <a:fillRect/>
+          </a:stretch>
+        </p:blipFill>
+        <p:spPr>
+          <a:xfrm>
+            <a:off x="7286842" y="3526972"/>
+            <a:ext cx="3705522" cy="2214050"/>
+          </a:xfrm>
+          <a:prstGeom prst="rect">
+            <a:avLst/>
+          </a:prstGeom>
+          <a:effectLst/>
+        </p:spPr>
+      </p:pic>
+      <p:pic>
+        <p:nvPicPr>
+          <p:cNvPr id="8" name="Picture 7" descr="A picture containing computer&#10;&#10;Description automatically generated">
+            <a:extLst>
+              <a:ext uri="{FF2B5EF4-FFF2-40B4-BE49-F238E27FC236}">
+                <a16:creationId xmlns:a16="http://schemas.microsoft.com/office/drawing/2014/main" id="{FBFDFB1D-188E-4848-848F-D11FA8CB4B87}"/>
+              </a:ext>
+            </a:extLst>
+          </p:cNvPr>
+          <p:cNvPicPr>
+            <a:picLocks noChangeAspect="1"/>
+          </p:cNvPicPr>
+          <p:nvPr/>
+        </p:nvPicPr>
+        <p:blipFill>
+          <a:blip r:embed="rId5">
+            <a:extLst>
+              <a:ext uri="{28A0092B-C50C-407E-A947-70E740481C1C}">
+                <a14:useLocalDpi xmlns:a14="http://schemas.microsoft.com/office/drawing/2010/main" val="0"/>
+              </a:ext>
+            </a:extLst>
+          </a:blip>
+          <a:stretch>
+            <a:fillRect/>
+          </a:stretch>
+        </p:blipFill>
+        <p:spPr>
+          <a:xfrm>
+            <a:off x="10049853" y="505386"/>
+            <a:ext cx="1083728" cy="433491"/>
+          </a:xfrm>
+          <a:prstGeom prst="rect">
+            <a:avLst/>
+          </a:prstGeom>
+        </p:spPr>
+      </p:pic>
+    </p:spTree>
+    <p:extLst>
+      <p:ext uri="{BB962C8B-B14F-4D97-AF65-F5344CB8AC3E}">
+        <p14:creationId xmlns:p14="http://schemas.microsoft.com/office/powerpoint/2010/main" val="2822094247"/>
+      </p:ext>
+    </p:extLst>
+  </p:cSld>
+  <p:clrMapOvr>
+    <a:masterClrMapping/>
+  </p:clrMapOvr>
+</p:sld>
+</file>
+
+<file path=ppt/slides/slide14.xml><?xml version="1.0" encoding="utf-8"?>
+<p:sld xmlns:a="http://schemas.openxmlformats.org/drawingml/2006/main" xmlns:r="http://schemas.openxmlformats.org/officeDocument/2006/relationships" xmlns:p="http://schemas.openxmlformats.org/presentationml/2006/main">
+  <p:cSld>
+    <p:bg>
+      <p:bgPr>
+        <a:solidFill>
+          <a:schemeClr val="bg1"/>
+        </a:solidFill>
+        <a:effectLst/>
+      </p:bgPr>
+    </p:bg>
+    <p:spTree>
+      <p:nvGrpSpPr>
+        <p:cNvPr id="1" name=""/>
+        <p:cNvGrpSpPr/>
+        <p:nvPr/>
+      </p:nvGrpSpPr>
+      <p:grpSpPr>
+        <a:xfrm>
+          <a:off x="0" y="0"/>
+          <a:ext cx="0" cy="0"/>
+          <a:chOff x="0" y="0"/>
+          <a:chExt cx="0" cy="0"/>
+        </a:xfrm>
+      </p:grpSpPr>
+      <p:sp>
+        <p:nvSpPr>
+          <p:cNvPr id="14" name="Rectangle 13">
+            <a:extLst>
+              <a:ext uri="{FF2B5EF4-FFF2-40B4-BE49-F238E27FC236}">
+                <a16:creationId xmlns:a16="http://schemas.microsoft.com/office/drawing/2014/main" id="{49076D5E-68ED-4CD1-A04F-E7934EBFAAD9}"/>
+              </a:ext>
+              <a:ext uri="{C183D7F6-B498-43B3-948B-1728B52AA6E4}">
+                <adec:decorative xmlns:adec="http://schemas.microsoft.com/office/drawing/2017/decorative" val="1"/>
+              </a:ext>
+            </a:extLst>
+          </p:cNvPr>
+          <p:cNvSpPr>
+            <a:spLocks noGrp="1" noRot="1" noChangeAspect="1" noMove="1" noResize="1" noEditPoints="1" noAdjustHandles="1" noChangeArrowheads="1" noChangeShapeType="1" noTextEdit="1"/>
+          </p:cNvSpPr>
+          <p:nvPr>
+            <p:extLst>
+              <p:ext uri="{386F3935-93C4-4BCD-93E2-E3B085C9AB24}">
+                <p16:designElem xmlns:p16="http://schemas.microsoft.com/office/powerpoint/2015/main" val="1"/>
+              </p:ext>
+            </p:extLst>
+          </p:nvPr>
+        </p:nvSpPr>
+        <p:spPr>
+          <a:xfrm>
+            <a:off x="0" y="0"/>
+            <a:ext cx="12192000" cy="6858000"/>
+          </a:xfrm>
+          <a:prstGeom prst="rect">
+            <a:avLst/>
+          </a:prstGeom>
+          <a:ln>
+            <a:noFill/>
+          </a:ln>
+        </p:spPr>
+        <p:style>
+          <a:lnRef idx="2">
+            <a:schemeClr val="accent1">
+              <a:shade val="50000"/>
+            </a:schemeClr>
+          </a:lnRef>
+          <a:fillRef idx="1003">
+            <a:schemeClr val="dk2"/>
+          </a:fillRef>
+          <a:effectRef idx="0">
+            <a:schemeClr val="accent1"/>
+          </a:effectRef>
+          <a:fontRef idx="minor">
+            <a:schemeClr val="lt1"/>
+          </a:fontRef>
+        </p:style>
+        <p:txBody>
+          <a:bodyPr rtlCol="0" anchor="ctr"/>
+          <a:lstStyle/>
+          <a:p>
+            <a:pPr algn="ctr"/>
+            <a:endParaRPr lang="en-US"/>
+          </a:p>
+        </p:txBody>
+      </p:sp>
+      <p:sp>
+        <p:nvSpPr>
+          <p:cNvPr id="2" name="Title 1">
+            <a:extLst>
+              <a:ext uri="{FF2B5EF4-FFF2-40B4-BE49-F238E27FC236}">
+                <a16:creationId xmlns:a16="http://schemas.microsoft.com/office/drawing/2014/main" id="{0FED7EDF-A00B-4FB5-9371-A44C18B38C01}"/>
+              </a:ext>
+            </a:extLst>
+          </p:cNvPr>
+          <p:cNvSpPr>
+            <a:spLocks noGrp="1"/>
+          </p:cNvSpPr>
+          <p:nvPr>
+            <p:ph type="title"/>
+          </p:nvPr>
+        </p:nvSpPr>
+        <p:spPr>
+          <a:xfrm>
+            <a:off x="648929" y="629266"/>
+            <a:ext cx="3505495" cy="1622321"/>
+          </a:xfrm>
+        </p:spPr>
+        <p:txBody>
+          <a:bodyPr>
+            <a:normAutofit/>
+          </a:bodyPr>
+          <a:lstStyle/>
+          <a:p>
+            <a:r>
+              <a:rPr lang="en-US">
+                <a:solidFill>
+                  <a:srgbClr val="EBEBEB"/>
+                </a:solidFill>
+              </a:rPr>
+              <a:t>Statistics</a:t>
+            </a:r>
+            <a:endParaRPr lang="en-IL">
+              <a:solidFill>
+                <a:srgbClr val="EBEBEB"/>
+              </a:solidFill>
+            </a:endParaRPr>
+          </a:p>
+        </p:txBody>
+      </p:sp>
+      <p:sp>
+        <p:nvSpPr>
+          <p:cNvPr id="16" name="Rectangle 15">
+            <a:extLst>
+              <a:ext uri="{FF2B5EF4-FFF2-40B4-BE49-F238E27FC236}">
+                <a16:creationId xmlns:a16="http://schemas.microsoft.com/office/drawing/2014/main" id="{21BE0A6B-EBF8-4301-B1AE-F6A1C4003E2A}"/>
+              </a:ext>
+              <a:ext uri="{C183D7F6-B498-43B3-948B-1728B52AA6E4}">
+                <adec:decorative xmlns:adec="http://schemas.microsoft.com/office/drawing/2017/decorative" val="1"/>
+              </a:ext>
+            </a:extLst>
+          </p:cNvPr>
+          <p:cNvSpPr>
+            <a:spLocks noGrp="1" noRot="1" noChangeAspect="1" noMove="1" noResize="1" noEditPoints="1" noAdjustHandles="1" noChangeArrowheads="1" noChangeShapeType="1" noTextEdit="1"/>
+          </p:cNvSpPr>
+          <p:nvPr>
+            <p:extLst>
+              <p:ext uri="{386F3935-93C4-4BCD-93E2-E3B085C9AB24}">
+                <p16:designElem xmlns:p16="http://schemas.microsoft.com/office/powerpoint/2015/main" val="1"/>
+              </p:ext>
+            </p:extLst>
+          </p:nvPr>
+        </p:nvSpPr>
+        <p:spPr>
+          <a:xfrm>
+            <a:off x="4639056" y="0"/>
+            <a:ext cx="7552944" cy="6858000"/>
+          </a:xfrm>
+          <a:prstGeom prst="rect">
+            <a:avLst/>
+          </a:prstGeom>
+          <a:solidFill>
+            <a:srgbClr val="FFFFFF"/>
+          </a:solidFill>
+          <a:ln>
+            <a:noFill/>
+          </a:ln>
+        </p:spPr>
+        <p:style>
+          <a:lnRef idx="2">
+            <a:schemeClr val="accent1">
+              <a:shade val="50000"/>
+            </a:schemeClr>
+          </a:lnRef>
+          <a:fillRef idx="1">
+            <a:schemeClr val="accent1"/>
+          </a:fillRef>
+          <a:effectRef idx="0">
+            <a:schemeClr val="accent1"/>
+          </a:effectRef>
+          <a:fontRef idx="minor">
+            <a:schemeClr val="lt1"/>
+          </a:fontRef>
+        </p:style>
+        <p:txBody>
+          <a:bodyPr rtlCol="0" anchor="ctr"/>
+          <a:lstStyle/>
+          <a:p>
+            <a:pPr algn="ctr"/>
+            <a:endParaRPr lang="en-US"/>
+          </a:p>
+        </p:txBody>
+      </p:sp>
+      <p:sp useBgFill="1">
+        <p:nvSpPr>
+          <p:cNvPr id="18" name="Rounded Rectangle 9">
+            <a:extLst>
+              <a:ext uri="{FF2B5EF4-FFF2-40B4-BE49-F238E27FC236}">
+                <a16:creationId xmlns:a16="http://schemas.microsoft.com/office/drawing/2014/main" id="{03C06118-B3FE-4B51-80A1-B82C2E9FF970}"/>
+              </a:ext>
+              <a:ext uri="{C183D7F6-B498-43B3-948B-1728B52AA6E4}">
+                <adec:decorative xmlns:adec="http://schemas.microsoft.com/office/drawing/2017/decorative" val="1"/>
+              </a:ext>
+            </a:extLst>
+          </p:cNvPr>
+          <p:cNvSpPr>
+            <a:spLocks noGrp="1" noRot="1" noChangeAspect="1" noMove="1" noResize="1" noEditPoints="1" noAdjustHandles="1" noChangeArrowheads="1" noChangeShapeType="1" noTextEdit="1"/>
+          </p:cNvSpPr>
+          <p:nvPr>
+            <p:extLst>
+              <p:ext uri="{386F3935-93C4-4BCD-93E2-E3B085C9AB24}">
+                <p16:designElem xmlns:p16="http://schemas.microsoft.com/office/powerpoint/2015/main" val="1"/>
+              </p:ext>
+            </p:extLst>
+          </p:nvPr>
+        </p:nvSpPr>
+        <p:spPr>
+          <a:xfrm>
+            <a:off x="5123688" y="484632"/>
+            <a:ext cx="6584098" cy="5739187"/>
+          </a:xfrm>
+          <a:prstGeom prst="roundRect">
+            <a:avLst>
+              <a:gd name="adj" fmla="val 0"/>
+            </a:avLst>
+          </a:prstGeom>
+          <a:ln w="12700">
+            <a:solidFill>
+              <a:schemeClr val="bg2"/>
+            </a:solidFill>
+          </a:ln>
+          <a:effectLst>
+            <a:outerShdw blurRad="50800" dist="50800" dir="5400000" algn="tl" rotWithShape="0">
+              <a:srgbClr val="000000">
+                <a:alpha val="43000"/>
+              </a:srgbClr>
+            </a:outerShdw>
+          </a:effectLst>
+        </p:spPr>
+        <p:style>
+          <a:lnRef idx="2">
+            <a:schemeClr val="accent1">
+              <a:shade val="50000"/>
+            </a:schemeClr>
+          </a:lnRef>
+          <a:fillRef idx="1">
+            <a:schemeClr val="accent1"/>
+          </a:fillRef>
+          <a:effectRef idx="0">
+            <a:schemeClr val="accent1"/>
+          </a:effectRef>
+          <a:fontRef idx="minor">
+            <a:schemeClr val="lt1"/>
+          </a:fontRef>
+        </p:style>
+        <p:txBody>
+          <a:bodyPr rtlCol="0" anchor="ctr"/>
+          <a:lstStyle/>
+          <a:p>
+            <a:pPr algn="ctr"/>
+            <a:endParaRPr lang="en-US"/>
+          </a:p>
+        </p:txBody>
+      </p:sp>
+      <p:pic>
+        <p:nvPicPr>
+          <p:cNvPr id="7" name="Content Placeholder 6" descr="Chart, line chart&#10;&#10;Description automatically generated">
+            <a:extLst>
+              <a:ext uri="{FF2B5EF4-FFF2-40B4-BE49-F238E27FC236}">
+                <a16:creationId xmlns:a16="http://schemas.microsoft.com/office/drawing/2014/main" id="{FD9073A2-4611-4AA7-BDEE-A7DAEF240D8B}"/>
+              </a:ext>
+            </a:extLst>
+          </p:cNvPr>
+          <p:cNvPicPr>
+            <a:picLocks noChangeAspect="1"/>
+          </p:cNvPicPr>
+          <p:nvPr/>
+        </p:nvPicPr>
+        <p:blipFill>
+          <a:blip r:embed="rId2">
+            <a:extLst>
+              <a:ext uri="{28A0092B-C50C-407E-A947-70E740481C1C}">
+                <a14:useLocalDpi xmlns:a14="http://schemas.microsoft.com/office/drawing/2010/main" val="0"/>
+              </a:ext>
+            </a:extLst>
+          </a:blip>
+          <a:stretch>
+            <a:fillRect/>
+          </a:stretch>
+        </p:blipFill>
+        <p:spPr>
+          <a:xfrm>
+            <a:off x="5608319" y="1780237"/>
+            <a:ext cx="5614835" cy="3144307"/>
+          </a:xfrm>
+          <a:prstGeom prst="rect">
+            <a:avLst/>
+          </a:prstGeom>
+          <a:effectLst/>
+        </p:spPr>
+      </p:pic>
+      <p:sp>
+        <p:nvSpPr>
+          <p:cNvPr id="20" name="Rectangle 19">
+            <a:extLst>
+              <a:ext uri="{FF2B5EF4-FFF2-40B4-BE49-F238E27FC236}">
+                <a16:creationId xmlns:a16="http://schemas.microsoft.com/office/drawing/2014/main" id="{172BE3F8-96D6-4535-9AE4-694DC4F5B13F}"/>
+              </a:ext>
+              <a:ext uri="{C183D7F6-B498-43B3-948B-1728B52AA6E4}">
+                <adec:decorative xmlns:adec="http://schemas.microsoft.com/office/drawing/2017/decorative" val="1"/>
+              </a:ext>
+            </a:extLst>
+          </p:cNvPr>
+          <p:cNvSpPr>
+            <a:spLocks noGrp="1" noRot="1" noChangeAspect="1" noMove="1" noResize="1" noEditPoints="1" noAdjustHandles="1" noChangeArrowheads="1" noChangeShapeType="1" noTextEdit="1"/>
+          </p:cNvSpPr>
+          <p:nvPr>
+            <p:extLst>
+              <p:ext uri="{386F3935-93C4-4BCD-93E2-E3B085C9AB24}">
+                <p16:designElem xmlns:p16="http://schemas.microsoft.com/office/powerpoint/2015/main" val="1"/>
+              </p:ext>
+            </p:extLst>
+          </p:nvPr>
+        </p:nvSpPr>
+        <p:spPr>
+          <a:xfrm>
+            <a:off x="10442448" y="0"/>
+            <a:ext cx="685800" cy="1143000"/>
+          </a:xfrm>
+          <a:prstGeom prst="rect">
+            <a:avLst/>
+          </a:prstGeom>
+          <a:solidFill>
+            <a:schemeClr val="accent1"/>
+          </a:solidFill>
+          <a:ln>
+            <a:noFill/>
+          </a:ln>
+        </p:spPr>
+        <p:style>
+          <a:lnRef idx="1">
+            <a:schemeClr val="accent1"/>
+          </a:lnRef>
+          <a:fillRef idx="3">
+            <a:schemeClr val="accent1"/>
+          </a:fillRef>
+          <a:effectRef idx="2">
+            <a:schemeClr val="accent1"/>
+          </a:effectRef>
+          <a:fontRef idx="minor">
+            <a:schemeClr val="lt1"/>
+          </a:fontRef>
+        </p:style>
+      </p:sp>
+      <p:sp>
+        <p:nvSpPr>
+          <p:cNvPr id="11" name="Content Placeholder 10">
+            <a:extLst>
+              <a:ext uri="{FF2B5EF4-FFF2-40B4-BE49-F238E27FC236}">
+                <a16:creationId xmlns:a16="http://schemas.microsoft.com/office/drawing/2014/main" id="{D1BA506B-62F4-4776-A416-BE10FADDA36F}"/>
+              </a:ext>
+            </a:extLst>
+          </p:cNvPr>
+          <p:cNvSpPr>
+            <a:spLocks noGrp="1"/>
+          </p:cNvSpPr>
+          <p:nvPr>
+            <p:ph idx="1"/>
+          </p:nvPr>
+        </p:nvSpPr>
+        <p:spPr>
+          <a:xfrm>
+            <a:off x="648931" y="2438400"/>
+            <a:ext cx="3505494" cy="3785419"/>
+          </a:xfrm>
+        </p:spPr>
+        <p:txBody>
+          <a:bodyPr>
+            <a:normAutofit/>
+          </a:bodyPr>
+          <a:lstStyle/>
+          <a:p>
+            <a:pPr marL="0" indent="0">
+              <a:buNone/>
+            </a:pPr>
+            <a:endParaRPr lang="en-US" dirty="0">
+              <a:solidFill>
+                <a:srgbClr val="FFFFFF"/>
+              </a:solidFill>
+            </a:endParaRPr>
+          </a:p>
+        </p:txBody>
+      </p:sp>
+      <p:pic>
+        <p:nvPicPr>
+          <p:cNvPr id="5" name="Picture 4" descr="A picture containing computer&#10;&#10;Description automatically generated">
+            <a:extLst>
+              <a:ext uri="{FF2B5EF4-FFF2-40B4-BE49-F238E27FC236}">
+                <a16:creationId xmlns:a16="http://schemas.microsoft.com/office/drawing/2014/main" id="{1138CEFB-9649-4D30-994A-6C2187BA82F7}"/>
+              </a:ext>
+            </a:extLst>
+          </p:cNvPr>
+          <p:cNvPicPr>
+            <a:picLocks noChangeAspect="1"/>
+          </p:cNvPicPr>
+          <p:nvPr/>
+        </p:nvPicPr>
+        <p:blipFill>
+          <a:blip r:embed="rId3">
+            <a:extLst>
+              <a:ext uri="{28A0092B-C50C-407E-A947-70E740481C1C}">
+                <a14:useLocalDpi xmlns:a14="http://schemas.microsoft.com/office/drawing/2010/main" val="0"/>
+              </a:ext>
+            </a:extLst>
+          </a:blip>
+          <a:stretch>
+            <a:fillRect/>
+          </a:stretch>
+        </p:blipFill>
+        <p:spPr>
+          <a:xfrm>
+            <a:off x="10049853" y="505386"/>
+            <a:ext cx="1083728" cy="433491"/>
+          </a:xfrm>
+          <a:prstGeom prst="rect">
+            <a:avLst/>
+          </a:prstGeom>
+        </p:spPr>
+      </p:pic>
+    </p:spTree>
+    <p:extLst>
+      <p:ext uri="{BB962C8B-B14F-4D97-AF65-F5344CB8AC3E}">
+        <p14:creationId xmlns:p14="http://schemas.microsoft.com/office/powerpoint/2010/main" val="1411245015"/>
+      </p:ext>
+    </p:extLst>
+  </p:cSld>
+  <p:clrMapOvr>
+    <a:overrideClrMapping bg1="lt1" tx1="dk1" bg2="lt2" tx2="dk2" accent1="accent1" accent2="accent2" accent3="accent3" accent4="accent4" accent5="accent5" accent6="accent6" hlink="hlink" folHlink="folHlink"/>
+  </p:clrMapOvr>
+</p:sld>
+</file>
+
+<file path=ppt/slides/slide15.xml><?xml version="1.0" encoding="utf-8"?>
+<p:sld xmlns:a="http://schemas.openxmlformats.org/drawingml/2006/main" xmlns:r="http://schemas.openxmlformats.org/officeDocument/2006/relationships" xmlns:p="http://schemas.openxmlformats.org/presentationml/2006/main">
+  <p:cSld>
+    <p:bg>
+      <p:bgPr>
+        <a:blipFill rotWithShape="1">
+          <a:blip r:embed="rId2">
+            <a:duotone>
+              <a:schemeClr val="bg2">
+                <a:shade val="69000"/>
+                <a:hueMod val="108000"/>
+                <a:satMod val="164000"/>
+                <a:lumMod val="74000"/>
+              </a:schemeClr>
+              <a:schemeClr val="bg2">
+                <a:tint val="96000"/>
+                <a:hueMod val="88000"/>
+                <a:satMod val="140000"/>
+                <a:lumMod val="132000"/>
+              </a:schemeClr>
+            </a:duotone>
+          </a:blip>
+          <a:stretch/>
+        </a:blipFill>
+        <a:effectLst/>
+      </p:bgPr>
+    </p:bg>
+    <p:spTree>
+      <p:nvGrpSpPr>
+        <p:cNvPr id="1" name=""/>
+        <p:cNvGrpSpPr/>
+        <p:nvPr/>
+      </p:nvGrpSpPr>
+      <p:grpSpPr>
+        <a:xfrm>
+          <a:off x="0" y="0"/>
+          <a:ext cx="0" cy="0"/>
+          <a:chOff x="0" y="0"/>
+          <a:chExt cx="0" cy="0"/>
+        </a:xfrm>
+      </p:grpSpPr>
+      <p:pic>
+        <p:nvPicPr>
+          <p:cNvPr id="73" name="Picture 59">
+            <a:extLst>
+              <a:ext uri="{FF2B5EF4-FFF2-40B4-BE49-F238E27FC236}">
+                <a16:creationId xmlns:a16="http://schemas.microsoft.com/office/drawing/2014/main" id="{DF19BAF3-7E20-4B9D-B544-BABAEEA1FA75}"/>
               </a:ext>
               <a:ext uri="{C183D7F6-B498-43B3-948B-1728B52AA6E4}">
                 <adec:decorative xmlns:adec="http://schemas.microsoft.com/office/drawing/2017/decorative" val="1"/>
@@ -7799,10 +8678,10 @@
       </p:pic>
       <p:pic>
         <p:nvPicPr>
-          <p:cNvPr id="32" name="Picture 31">
+          <p:cNvPr id="75" name="Picture 61">
             <a:extLst>
               <a:ext uri="{FF2B5EF4-FFF2-40B4-BE49-F238E27FC236}">
-                <a16:creationId xmlns:a16="http://schemas.microsoft.com/office/drawing/2014/main" id="{7C268552-D473-46ED-B1B8-422042C4DEF1}"/>
+                <a16:creationId xmlns:a16="http://schemas.microsoft.com/office/drawing/2014/main" id="{950648F4-ABCD-4DF0-8641-76CFB2354721}"/>
               </a:ext>
               <a:ext uri="{C183D7F6-B498-43B3-948B-1728B52AA6E4}">
                 <adec:decorative xmlns:adec="http://schemas.microsoft.com/office/drawing/2017/decorative" val="1"/>
@@ -7843,10 +8722,10 @@
       </p:pic>
       <p:sp>
         <p:nvSpPr>
-          <p:cNvPr id="34" name="Oval 33">
+          <p:cNvPr id="77" name="Oval 63">
             <a:extLst>
               <a:ext uri="{FF2B5EF4-FFF2-40B4-BE49-F238E27FC236}">
-                <a16:creationId xmlns:a16="http://schemas.microsoft.com/office/drawing/2014/main" id="{4AC0CD9D-7610-4620-93B4-798CCD9AB581}"/>
+                <a16:creationId xmlns:a16="http://schemas.microsoft.com/office/drawing/2014/main" id="{989BE678-777B-482A-A616-FEDC47B162E5}"/>
               </a:ext>
               <a:ext uri="{C183D7F6-B498-43B3-948B-1728B52AA6E4}">
                 <adec:decorative xmlns:adec="http://schemas.microsoft.com/office/drawing/2017/decorative" val="1"/>
@@ -7923,10 +8802,10 @@
       </p:sp>
       <p:pic>
         <p:nvPicPr>
-          <p:cNvPr id="36" name="Picture 35">
+          <p:cNvPr id="78" name="Picture 65">
             <a:extLst>
               <a:ext uri="{FF2B5EF4-FFF2-40B4-BE49-F238E27FC236}">
-                <a16:creationId xmlns:a16="http://schemas.microsoft.com/office/drawing/2014/main" id="{B9238B3E-24AA-439A-B527-6C5DF6D72145}"/>
+                <a16:creationId xmlns:a16="http://schemas.microsoft.com/office/drawing/2014/main" id="{CF1EB4BD-9C7E-4AA3-9681-C7EB0DA6250B}"/>
               </a:ext>
               <a:ext uri="{C183D7F6-B498-43B3-948B-1728B52AA6E4}">
                 <adec:decorative xmlns:adec="http://schemas.microsoft.com/office/drawing/2017/decorative" val="1"/>
@@ -7967,10 +8846,10 @@
       </p:pic>
       <p:pic>
         <p:nvPicPr>
-          <p:cNvPr id="38" name="Picture 37">
+          <p:cNvPr id="79" name="Picture 67">
             <a:extLst>
               <a:ext uri="{FF2B5EF4-FFF2-40B4-BE49-F238E27FC236}">
-                <a16:creationId xmlns:a16="http://schemas.microsoft.com/office/drawing/2014/main" id="{69F01145-BEA3-4CBF-AA21-10077B948CA8}"/>
+                <a16:creationId xmlns:a16="http://schemas.microsoft.com/office/drawing/2014/main" id="{94AAE3AA-3759-4D28-B0EF-575F25A5146C}"/>
               </a:ext>
               <a:ext uri="{C183D7F6-B498-43B3-948B-1728B52AA6E4}">
                 <adec:decorative xmlns:adec="http://schemas.microsoft.com/office/drawing/2017/decorative" val="1"/>
@@ -8011,10 +8890,10 @@
       </p:pic>
       <p:sp>
         <p:nvSpPr>
-          <p:cNvPr id="40" name="Rectangle 39">
+          <p:cNvPr id="80" name="Rectangle 69">
             <a:extLst>
               <a:ext uri="{FF2B5EF4-FFF2-40B4-BE49-F238E27FC236}">
-                <a16:creationId xmlns:a16="http://schemas.microsoft.com/office/drawing/2014/main" id="{DE4D62F9-188E-4530-84C2-24BDEE4BEB82}"/>
+                <a16:creationId xmlns:a16="http://schemas.microsoft.com/office/drawing/2014/main" id="{D28BE0C3-2102-4820-B88B-A448B1840D14}"/>
               </a:ext>
               <a:ext uri="{C183D7F6-B498-43B3-948B-1728B52AA6E4}">
                 <adec:decorative xmlns:adec="http://schemas.microsoft.com/office/drawing/2017/decorative" val="1"/>
@@ -8064,6 +8943,66 @@
       </p:sp>
       <p:sp>
         <p:nvSpPr>
+          <p:cNvPr id="72" name="Rectangle 71">
+            <a:extLst>
+              <a:ext uri="{FF2B5EF4-FFF2-40B4-BE49-F238E27FC236}">
+                <a16:creationId xmlns:a16="http://schemas.microsoft.com/office/drawing/2014/main" id="{C6A81905-F480-46A4-BC10-215D24EA1AE6}"/>
+              </a:ext>
+              <a:ext uri="{C183D7F6-B498-43B3-948B-1728B52AA6E4}">
+                <adec:decorative xmlns:adec="http://schemas.microsoft.com/office/drawing/2017/decorative" val="1"/>
+              </a:ext>
+            </a:extLst>
+          </p:cNvPr>
+          <p:cNvSpPr>
+            <a:spLocks noGrp="1" noRot="1" noChangeAspect="1" noMove="1" noResize="1" noEditPoints="1" noAdjustHandles="1" noChangeArrowheads="1" noChangeShapeType="1" noTextEdit="1"/>
+          </p:cNvSpPr>
+          <p:nvPr>
+            <p:extLst>
+              <p:ext uri="{386F3935-93C4-4BCD-93E2-E3B085C9AB24}">
+                <p16:designElem xmlns:p16="http://schemas.microsoft.com/office/powerpoint/2015/main" val="1"/>
+              </p:ext>
+            </p:extLst>
+          </p:nvPr>
+        </p:nvSpPr>
+        <p:spPr>
+          <a:xfrm>
+            <a:off x="0" y="0"/>
+            <a:ext cx="12192000" cy="6858000"/>
+          </a:xfrm>
+          <a:prstGeom prst="rect">
+            <a:avLst/>
+          </a:prstGeom>
+          <a:ln>
+            <a:noFill/>
+          </a:ln>
+        </p:spPr>
+        <p:style>
+          <a:lnRef idx="2">
+            <a:schemeClr val="accent1">
+              <a:shade val="50000"/>
+            </a:schemeClr>
+          </a:lnRef>
+          <a:fillRef idx="1003">
+            <a:schemeClr val="dk2"/>
+          </a:fillRef>
+          <a:effectRef idx="0">
+            <a:schemeClr val="accent1"/>
+          </a:effectRef>
+          <a:fontRef idx="minor">
+            <a:schemeClr val="lt1"/>
+          </a:fontRef>
+        </p:style>
+        <p:txBody>
+          <a:bodyPr rtlCol="0" anchor="ctr"/>
+          <a:lstStyle/>
+          <a:p>
+            <a:pPr algn="ctr"/>
+            <a:endParaRPr lang="en-US"/>
+          </a:p>
+        </p:txBody>
+      </p:sp>
+      <p:sp>
+        <p:nvSpPr>
           <p:cNvPr id="2" name="Title 1">
             <a:extLst>
               <a:ext uri="{FF2B5EF4-FFF2-40B4-BE49-F238E27FC236}">
@@ -8080,8 +9019,8 @@
         </p:nvSpPr>
         <p:spPr>
           <a:xfrm>
-            <a:off x="6683829" y="1447800"/>
-            <a:ext cx="4397828" cy="3329581"/>
+            <a:off x="4872012" y="1447800"/>
+            <a:ext cx="5222325" cy="3329581"/>
           </a:xfrm>
         </p:spPr>
         <p:txBody>
@@ -8090,17 +9029,452 @@
           </a:bodyPr>
           <a:lstStyle/>
           <a:p>
-            <a:r>
-              <a:rPr lang="en-US" sz="6000" b="0" i="0" kern="1200">
+            <a:pPr>
+              <a:lnSpc>
+                <a:spcPct val="90000"/>
+              </a:lnSpc>
+            </a:pPr>
+            <a:r>
+              <a:rPr lang="en-US" sz="2300" dirty="0">
                 <a:solidFill>
-                  <a:schemeClr val="tx2"/>
+                  <a:srgbClr val="EBEBEB"/>
                 </a:solidFill>
-                <a:latin typeface="+mj-lt"/>
-                <a:ea typeface="+mj-ea"/>
-                <a:cs typeface="+mj-cs"/>
               </a:rPr>
               <a:t>Thank You!</a:t>
             </a:r>
+            <a:br>
+              <a:rPr lang="en-US" sz="2300" dirty="0">
+                <a:solidFill>
+                  <a:srgbClr val="EBEBEB"/>
+                </a:solidFill>
+              </a:rPr>
+            </a:br>
+            <a:br>
+              <a:rPr lang="en-US" sz="2300" dirty="0">
+                <a:solidFill>
+                  <a:srgbClr val="EBEBEB"/>
+                </a:solidFill>
+              </a:rPr>
+            </a:br>
+            <a:r>
+              <a:rPr lang="en-US" sz="2300" dirty="0">
+                <a:solidFill>
+                  <a:srgbClr val="EBEBEB"/>
+                </a:solidFill>
+              </a:rPr>
+              <a:t>YouTube Video – </a:t>
+            </a:r>
+            <a:br>
+              <a:rPr lang="en-US" sz="2300" dirty="0">
+                <a:solidFill>
+                  <a:srgbClr val="EBEBEB"/>
+                </a:solidFill>
+              </a:rPr>
+            </a:br>
+            <a:r>
+              <a:rPr lang="en-US" sz="2300" dirty="0">
+                <a:solidFill>
+                  <a:srgbClr val="EBEBEB"/>
+                </a:solidFill>
+                <a:hlinkClick r:id="rId7"/>
+              </a:rPr>
+              <a:t>https://youtu.be/pucyr1thcpM</a:t>
+            </a:r>
+            <a:br>
+              <a:rPr lang="en-US" sz="2300" dirty="0">
+                <a:solidFill>
+                  <a:srgbClr val="EBEBEB"/>
+                </a:solidFill>
+              </a:rPr>
+            </a:br>
+            <a:br>
+              <a:rPr lang="en-US" sz="2300" dirty="0">
+                <a:solidFill>
+                  <a:srgbClr val="EBEBEB"/>
+                </a:solidFill>
+              </a:rPr>
+            </a:br>
+            <a:r>
+              <a:rPr lang="en-US" sz="2300" dirty="0">
+                <a:solidFill>
+                  <a:srgbClr val="EBEBEB"/>
+                </a:solidFill>
+              </a:rPr>
+              <a:t>GitHub Link –</a:t>
+            </a:r>
+            <a:br>
+              <a:rPr lang="en-US" sz="2300" dirty="0">
+                <a:solidFill>
+                  <a:srgbClr val="EBEBEB"/>
+                </a:solidFill>
+              </a:rPr>
+            </a:br>
+            <a:r>
+              <a:rPr lang="en-US" sz="2300" dirty="0">
+                <a:solidFill>
+                  <a:srgbClr val="EBEBEB"/>
+                </a:solidFill>
+                <a:hlinkClick r:id="rId8"/>
+              </a:rPr>
+              <a:t>https://github.com/amitnh/Erlang-Final-Batman </a:t>
+            </a:r>
+            <a:endParaRPr lang="en-US" sz="2300" dirty="0">
+              <a:solidFill>
+                <a:srgbClr val="EBEBEB"/>
+              </a:solidFill>
+            </a:endParaRPr>
+          </a:p>
+        </p:txBody>
+      </p:sp>
+      <p:sp>
+        <p:nvSpPr>
+          <p:cNvPr id="74" name="Freeform 8">
+            <a:extLst>
+              <a:ext uri="{FF2B5EF4-FFF2-40B4-BE49-F238E27FC236}">
+                <a16:creationId xmlns:a16="http://schemas.microsoft.com/office/drawing/2014/main" id="{36FD4D9D-3784-41E8-8405-A42B72F51331}"/>
+              </a:ext>
+              <a:ext uri="{C183D7F6-B498-43B3-948B-1728B52AA6E4}">
+                <adec:decorative xmlns:adec="http://schemas.microsoft.com/office/drawing/2017/decorative" val="1"/>
+              </a:ext>
+            </a:extLst>
+          </p:cNvPr>
+          <p:cNvSpPr>
+            <a:spLocks noGrp="1" noRot="1" noChangeAspect="1" noMove="1" noResize="1" noEditPoints="1" noAdjustHandles="1" noChangeArrowheads="1" noChangeShapeType="1" noTextEdit="1"/>
+          </p:cNvSpPr>
+          <p:nvPr>
+            <p:extLst>
+              <p:ext uri="{386F3935-93C4-4BCD-93E2-E3B085C9AB24}">
+                <p16:designElem xmlns:p16="http://schemas.microsoft.com/office/powerpoint/2015/main" val="1"/>
+              </p:ext>
+            </p:extLst>
+          </p:nvPr>
+        </p:nvSpPr>
+        <p:spPr>
+          <a:xfrm flipH="1">
+            <a:off x="4135692" y="-1"/>
+            <a:ext cx="559472" cy="3709642"/>
+          </a:xfrm>
+          <a:custGeom>
+            <a:avLst/>
+            <a:gdLst>
+              <a:gd name="connsiteX0" fmla="*/ 0 w 559472"/>
+              <a:gd name="connsiteY0" fmla="*/ 0 h 3709642"/>
+              <a:gd name="connsiteX1" fmla="*/ 473952 w 559472"/>
+              <a:gd name="connsiteY1" fmla="*/ 0 h 3709642"/>
+              <a:gd name="connsiteX2" fmla="*/ 485840 w 559472"/>
+              <a:gd name="connsiteY2" fmla="*/ 161194 h 3709642"/>
+              <a:gd name="connsiteX3" fmla="*/ 523949 w 559472"/>
+              <a:gd name="connsiteY3" fmla="*/ 3672197 h 3709642"/>
+              <a:gd name="connsiteX4" fmla="*/ 454748 w 559472"/>
+              <a:gd name="connsiteY4" fmla="*/ 3709642 h 3709642"/>
+              <a:gd name="connsiteX5" fmla="*/ 448224 w 559472"/>
+              <a:gd name="connsiteY5" fmla="*/ 3510471 h 3709642"/>
+              <a:gd name="connsiteX6" fmla="*/ 443564 w 559472"/>
+              <a:gd name="connsiteY6" fmla="*/ 3408563 h 3709642"/>
+              <a:gd name="connsiteX7" fmla="*/ 438902 w 559472"/>
+              <a:gd name="connsiteY7" fmla="*/ 3304407 h 3709642"/>
+              <a:gd name="connsiteX8" fmla="*/ 433941 w 559472"/>
+              <a:gd name="connsiteY8" fmla="*/ 3198777 h 3709642"/>
+              <a:gd name="connsiteX9" fmla="*/ 427584 w 559472"/>
+              <a:gd name="connsiteY9" fmla="*/ 3092510 h 3709642"/>
+              <a:gd name="connsiteX10" fmla="*/ 420988 w 559472"/>
+              <a:gd name="connsiteY10" fmla="*/ 2984390 h 3709642"/>
+              <a:gd name="connsiteX11" fmla="*/ 414330 w 559472"/>
+              <a:gd name="connsiteY11" fmla="*/ 2874401 h 3709642"/>
+              <a:gd name="connsiteX12" fmla="*/ 406840 w 559472"/>
+              <a:gd name="connsiteY12" fmla="*/ 2762980 h 3709642"/>
+              <a:gd name="connsiteX13" fmla="*/ 397745 w 559472"/>
+              <a:gd name="connsiteY13" fmla="*/ 2650566 h 3709642"/>
+              <a:gd name="connsiteX14" fmla="*/ 389154 w 559472"/>
+              <a:gd name="connsiteY14" fmla="*/ 2536612 h 3709642"/>
+              <a:gd name="connsiteX15" fmla="*/ 379225 w 559472"/>
+              <a:gd name="connsiteY15" fmla="*/ 2421642 h 3709642"/>
+              <a:gd name="connsiteX16" fmla="*/ 368316 w 559472"/>
+              <a:gd name="connsiteY16" fmla="*/ 2305627 h 3709642"/>
+              <a:gd name="connsiteX17" fmla="*/ 357466 w 559472"/>
+              <a:gd name="connsiteY17" fmla="*/ 2189233 h 3709642"/>
+              <a:gd name="connsiteX18" fmla="*/ 344982 w 559472"/>
+              <a:gd name="connsiteY18" fmla="*/ 2071473 h 3709642"/>
+              <a:gd name="connsiteX19" fmla="*/ 332466 w 559472"/>
+              <a:gd name="connsiteY19" fmla="*/ 1952216 h 3709642"/>
+              <a:gd name="connsiteX20" fmla="*/ 319121 w 559472"/>
+              <a:gd name="connsiteY20" fmla="*/ 1833776 h 3709642"/>
+              <a:gd name="connsiteX21" fmla="*/ 304408 w 559472"/>
+              <a:gd name="connsiteY21" fmla="*/ 1713948 h 3709642"/>
+              <a:gd name="connsiteX22" fmla="*/ 288685 w 559472"/>
+              <a:gd name="connsiteY22" fmla="*/ 1592703 h 3709642"/>
+              <a:gd name="connsiteX23" fmla="*/ 273050 w 559472"/>
+              <a:gd name="connsiteY23" fmla="*/ 1471451 h 3709642"/>
+              <a:gd name="connsiteX24" fmla="*/ 255813 w 559472"/>
+              <a:gd name="connsiteY24" fmla="*/ 1350328 h 3709642"/>
+              <a:gd name="connsiteX25" fmla="*/ 237060 w 559472"/>
+              <a:gd name="connsiteY25" fmla="*/ 1227080 h 3709642"/>
+              <a:gd name="connsiteX26" fmla="*/ 218488 w 559472"/>
+              <a:gd name="connsiteY26" fmla="*/ 1106065 h 3709642"/>
+              <a:gd name="connsiteX27" fmla="*/ 198221 w 559472"/>
+              <a:gd name="connsiteY27" fmla="*/ 982940 h 3709642"/>
+              <a:gd name="connsiteX28" fmla="*/ 177152 w 559472"/>
+              <a:gd name="connsiteY28" fmla="*/ 858755 h 3709642"/>
+              <a:gd name="connsiteX29" fmla="*/ 155551 w 559472"/>
+              <a:gd name="connsiteY29" fmla="*/ 736861 h 3709642"/>
+              <a:gd name="connsiteX30" fmla="*/ 131782 w 559472"/>
+              <a:gd name="connsiteY30" fmla="*/ 613645 h 3709642"/>
+              <a:gd name="connsiteX31" fmla="*/ 107123 w 559472"/>
+              <a:gd name="connsiteY31" fmla="*/ 490500 h 3709642"/>
+              <a:gd name="connsiteX32" fmla="*/ 82552 w 559472"/>
+              <a:gd name="connsiteY32" fmla="*/ 367348 h 3709642"/>
+              <a:gd name="connsiteX33" fmla="*/ 55608 w 559472"/>
+              <a:gd name="connsiteY33" fmla="*/ 244762 h 3709642"/>
+              <a:gd name="connsiteX34" fmla="*/ 28130 w 559472"/>
+              <a:gd name="connsiteY34" fmla="*/ 122220 h 3709642"/>
+              <a:gd name="connsiteX35" fmla="*/ 0 w 559472"/>
+              <a:gd name="connsiteY35" fmla="*/ 0 h 3709642"/>
+            </a:gdLst>
+            <a:ahLst/>
+            <a:cxnLst>
+              <a:cxn ang="0">
+                <a:pos x="connsiteX0" y="connsiteY0"/>
+              </a:cxn>
+              <a:cxn ang="0">
+                <a:pos x="connsiteX1" y="connsiteY1"/>
+              </a:cxn>
+              <a:cxn ang="0">
+                <a:pos x="connsiteX2" y="connsiteY2"/>
+              </a:cxn>
+              <a:cxn ang="0">
+                <a:pos x="connsiteX3" y="connsiteY3"/>
+              </a:cxn>
+              <a:cxn ang="0">
+                <a:pos x="connsiteX4" y="connsiteY4"/>
+              </a:cxn>
+              <a:cxn ang="0">
+                <a:pos x="connsiteX5" y="connsiteY5"/>
+              </a:cxn>
+              <a:cxn ang="0">
+                <a:pos x="connsiteX6" y="connsiteY6"/>
+              </a:cxn>
+              <a:cxn ang="0">
+                <a:pos x="connsiteX7" y="connsiteY7"/>
+              </a:cxn>
+              <a:cxn ang="0">
+                <a:pos x="connsiteX8" y="connsiteY8"/>
+              </a:cxn>
+              <a:cxn ang="0">
+                <a:pos x="connsiteX9" y="connsiteY9"/>
+              </a:cxn>
+              <a:cxn ang="0">
+                <a:pos x="connsiteX10" y="connsiteY10"/>
+              </a:cxn>
+              <a:cxn ang="0">
+                <a:pos x="connsiteX11" y="connsiteY11"/>
+              </a:cxn>
+              <a:cxn ang="0">
+                <a:pos x="connsiteX12" y="connsiteY12"/>
+              </a:cxn>
+              <a:cxn ang="0">
+                <a:pos x="connsiteX13" y="connsiteY13"/>
+              </a:cxn>
+              <a:cxn ang="0">
+                <a:pos x="connsiteX14" y="connsiteY14"/>
+              </a:cxn>
+              <a:cxn ang="0">
+                <a:pos x="connsiteX15" y="connsiteY15"/>
+              </a:cxn>
+              <a:cxn ang="0">
+                <a:pos x="connsiteX16" y="connsiteY16"/>
+              </a:cxn>
+              <a:cxn ang="0">
+                <a:pos x="connsiteX17" y="connsiteY17"/>
+              </a:cxn>
+              <a:cxn ang="0">
+                <a:pos x="connsiteX18" y="connsiteY18"/>
+              </a:cxn>
+              <a:cxn ang="0">
+                <a:pos x="connsiteX19" y="connsiteY19"/>
+              </a:cxn>
+              <a:cxn ang="0">
+                <a:pos x="connsiteX20" y="connsiteY20"/>
+              </a:cxn>
+              <a:cxn ang="0">
+                <a:pos x="connsiteX21" y="connsiteY21"/>
+              </a:cxn>
+              <a:cxn ang="0">
+                <a:pos x="connsiteX22" y="connsiteY22"/>
+              </a:cxn>
+              <a:cxn ang="0">
+                <a:pos x="connsiteX23" y="connsiteY23"/>
+              </a:cxn>
+              <a:cxn ang="0">
+                <a:pos x="connsiteX24" y="connsiteY24"/>
+              </a:cxn>
+              <a:cxn ang="0">
+                <a:pos x="connsiteX25" y="connsiteY25"/>
+              </a:cxn>
+              <a:cxn ang="0">
+                <a:pos x="connsiteX26" y="connsiteY26"/>
+              </a:cxn>
+              <a:cxn ang="0">
+                <a:pos x="connsiteX27" y="connsiteY27"/>
+              </a:cxn>
+              <a:cxn ang="0">
+                <a:pos x="connsiteX28" y="connsiteY28"/>
+              </a:cxn>
+              <a:cxn ang="0">
+                <a:pos x="connsiteX29" y="connsiteY29"/>
+              </a:cxn>
+              <a:cxn ang="0">
+                <a:pos x="connsiteX30" y="connsiteY30"/>
+              </a:cxn>
+              <a:cxn ang="0">
+                <a:pos x="connsiteX31" y="connsiteY31"/>
+              </a:cxn>
+              <a:cxn ang="0">
+                <a:pos x="connsiteX32" y="connsiteY32"/>
+              </a:cxn>
+              <a:cxn ang="0">
+                <a:pos x="connsiteX33" y="connsiteY33"/>
+              </a:cxn>
+              <a:cxn ang="0">
+                <a:pos x="connsiteX34" y="connsiteY34"/>
+              </a:cxn>
+              <a:cxn ang="0">
+                <a:pos x="connsiteX35" y="connsiteY35"/>
+              </a:cxn>
+            </a:cxnLst>
+            <a:rect l="l" t="t" r="r" b="b"/>
+            <a:pathLst>
+              <a:path w="559472" h="3709642">
+                <a:moveTo>
+                  <a:pt x="0" y="0"/>
+                </a:moveTo>
+                <a:lnTo>
+                  <a:pt x="473952" y="0"/>
+                </a:lnTo>
+                <a:lnTo>
+                  <a:pt x="485840" y="161194"/>
+                </a:lnTo>
+                <a:cubicBezTo>
+                  <a:pt x="552063" y="1147770"/>
+                  <a:pt x="592441" y="3086737"/>
+                  <a:pt x="523949" y="3672197"/>
+                </a:cubicBezTo>
+                <a:cubicBezTo>
+                  <a:pt x="500842" y="3684557"/>
+                  <a:pt x="477855" y="3697282"/>
+                  <a:pt x="454748" y="3709642"/>
+                </a:cubicBezTo>
+                <a:lnTo>
+                  <a:pt x="448224" y="3510471"/>
+                </a:lnTo>
+                <a:lnTo>
+                  <a:pt x="443564" y="3408563"/>
+                </a:lnTo>
+                <a:lnTo>
+                  <a:pt x="438902" y="3304407"/>
+                </a:lnTo>
+                <a:lnTo>
+                  <a:pt x="433941" y="3198777"/>
+                </a:lnTo>
+                <a:lnTo>
+                  <a:pt x="427584" y="3092510"/>
+                </a:lnTo>
+                <a:lnTo>
+                  <a:pt x="420988" y="2984390"/>
+                </a:lnTo>
+                <a:lnTo>
+                  <a:pt x="414330" y="2874401"/>
+                </a:lnTo>
+                <a:lnTo>
+                  <a:pt x="406840" y="2762980"/>
+                </a:lnTo>
+                <a:lnTo>
+                  <a:pt x="397745" y="2650566"/>
+                </a:lnTo>
+                <a:lnTo>
+                  <a:pt x="389154" y="2536612"/>
+                </a:lnTo>
+                <a:lnTo>
+                  <a:pt x="379225" y="2421642"/>
+                </a:lnTo>
+                <a:lnTo>
+                  <a:pt x="368316" y="2305627"/>
+                </a:lnTo>
+                <a:lnTo>
+                  <a:pt x="357466" y="2189233"/>
+                </a:lnTo>
+                <a:lnTo>
+                  <a:pt x="344982" y="2071473"/>
+                </a:lnTo>
+                <a:lnTo>
+                  <a:pt x="332466" y="1952216"/>
+                </a:lnTo>
+                <a:lnTo>
+                  <a:pt x="319121" y="1833776"/>
+                </a:lnTo>
+                <a:lnTo>
+                  <a:pt x="304408" y="1713948"/>
+                </a:lnTo>
+                <a:lnTo>
+                  <a:pt x="288685" y="1592703"/>
+                </a:lnTo>
+                <a:lnTo>
+                  <a:pt x="273050" y="1471451"/>
+                </a:lnTo>
+                <a:lnTo>
+                  <a:pt x="255813" y="1350328"/>
+                </a:lnTo>
+                <a:lnTo>
+                  <a:pt x="237060" y="1227080"/>
+                </a:lnTo>
+                <a:lnTo>
+                  <a:pt x="218488" y="1106065"/>
+                </a:lnTo>
+                <a:lnTo>
+                  <a:pt x="198221" y="982940"/>
+                </a:lnTo>
+                <a:lnTo>
+                  <a:pt x="177152" y="858755"/>
+                </a:lnTo>
+                <a:lnTo>
+                  <a:pt x="155551" y="736861"/>
+                </a:lnTo>
+                <a:lnTo>
+                  <a:pt x="131782" y="613645"/>
+                </a:lnTo>
+                <a:lnTo>
+                  <a:pt x="107123" y="490500"/>
+                </a:lnTo>
+                <a:lnTo>
+                  <a:pt x="82552" y="367348"/>
+                </a:lnTo>
+                <a:lnTo>
+                  <a:pt x="55608" y="244762"/>
+                </a:lnTo>
+                <a:lnTo>
+                  <a:pt x="28130" y="122220"/>
+                </a:lnTo>
+                <a:lnTo>
+                  <a:pt x="0" y="0"/>
+                </a:lnTo>
+                <a:close/>
+              </a:path>
+            </a:pathLst>
+          </a:custGeom>
+          <a:solidFill>
+            <a:schemeClr val="tx1">
+              <a:alpha val="20000"/>
+            </a:schemeClr>
+          </a:solidFill>
+          <a:ln>
+            <a:noFill/>
+          </a:ln>
+        </p:spPr>
+        <p:txBody>
+          <a:bodyPr rtlCol="0" anchor="ctr"/>
+          <a:lstStyle/>
+          <a:p>
+            <a:pPr algn="ctr"/>
+            <a:endParaRPr lang="en-US"/>
           </a:p>
         </p:txBody>
       </p:sp>
@@ -8119,26 +9493,184 @@
           <p:nvPr/>
         </p:nvPicPr>
         <p:blipFill rotWithShape="1">
-          <a:blip r:embed="rId7">
+          <a:blip r:embed="rId9">
             <a:extLst>
               <a:ext uri="{28A0092B-C50C-407E-A947-70E740481C1C}">
                 <a14:useLocalDpi xmlns:a14="http://schemas.microsoft.com/office/drawing/2010/main" val="0"/>
               </a:ext>
             </a:extLst>
           </a:blip>
-          <a:srcRect l="9281" r="11683"/>
+          <a:srcRect l="13184" r="15586"/>
           <a:stretch/>
         </p:blipFill>
         <p:spPr bwMode="auto">
           <a:xfrm>
-            <a:off x="1352425" y="647698"/>
-            <a:ext cx="4033415" cy="5562139"/>
+            <a:off x="20" y="10"/>
+            <a:ext cx="4481944" cy="6857990"/>
           </a:xfrm>
-          <a:prstGeom prst="rect">
+          <a:custGeom>
             <a:avLst/>
-          </a:prstGeom>
+            <a:gdLst/>
+            <a:ahLst/>
+            <a:cxnLst/>
+            <a:rect l="l" t="t" r="r" b="b"/>
+            <a:pathLst>
+              <a:path w="4481964" h="6858000">
+                <a:moveTo>
+                  <a:pt x="0" y="0"/>
+                </a:moveTo>
+                <a:lnTo>
+                  <a:pt x="3137249" y="0"/>
+                </a:lnTo>
+                <a:lnTo>
+                  <a:pt x="4480787" y="0"/>
+                </a:lnTo>
+                <a:lnTo>
+                  <a:pt x="4455742" y="155676"/>
+                </a:lnTo>
+                <a:lnTo>
+                  <a:pt x="4431873" y="310667"/>
+                </a:lnTo>
+                <a:lnTo>
+                  <a:pt x="4408509" y="466344"/>
+                </a:lnTo>
+                <a:lnTo>
+                  <a:pt x="4388506" y="622706"/>
+                </a:lnTo>
+                <a:lnTo>
+                  <a:pt x="4368335" y="778383"/>
+                </a:lnTo>
+                <a:lnTo>
+                  <a:pt x="4349509" y="934745"/>
+                </a:lnTo>
+                <a:lnTo>
+                  <a:pt x="4333373" y="1089050"/>
+                </a:lnTo>
+                <a:lnTo>
+                  <a:pt x="4318077" y="1245413"/>
+                </a:lnTo>
+                <a:lnTo>
+                  <a:pt x="4304125" y="1401089"/>
+                </a:lnTo>
+                <a:lnTo>
+                  <a:pt x="4292023" y="1554023"/>
+                </a:lnTo>
+                <a:lnTo>
+                  <a:pt x="4279920" y="1709013"/>
+                </a:lnTo>
+                <a:lnTo>
+                  <a:pt x="4269835" y="1861947"/>
+                </a:lnTo>
+                <a:lnTo>
+                  <a:pt x="4261935" y="2014880"/>
+                </a:lnTo>
+                <a:lnTo>
+                  <a:pt x="4253698" y="2167128"/>
+                </a:lnTo>
+                <a:lnTo>
+                  <a:pt x="4246807" y="2318004"/>
+                </a:lnTo>
+                <a:lnTo>
+                  <a:pt x="4241932" y="2467508"/>
+                </a:lnTo>
+                <a:lnTo>
+                  <a:pt x="4237730" y="2617013"/>
+                </a:lnTo>
+                <a:lnTo>
+                  <a:pt x="4233696" y="2765145"/>
+                </a:lnTo>
+                <a:lnTo>
+                  <a:pt x="4231847" y="2911221"/>
+                </a:lnTo>
+                <a:lnTo>
+                  <a:pt x="4229830" y="3057296"/>
+                </a:lnTo>
+                <a:lnTo>
+                  <a:pt x="4228821" y="3201314"/>
+                </a:lnTo>
+                <a:lnTo>
+                  <a:pt x="4229830" y="3343960"/>
+                </a:lnTo>
+                <a:lnTo>
+                  <a:pt x="4229830" y="3485235"/>
+                </a:lnTo>
+                <a:lnTo>
+                  <a:pt x="4231847" y="3625138"/>
+                </a:lnTo>
+                <a:lnTo>
+                  <a:pt x="4234872" y="3762298"/>
+                </a:lnTo>
+                <a:lnTo>
+                  <a:pt x="4237730" y="3898087"/>
+                </a:lnTo>
+                <a:lnTo>
+                  <a:pt x="4240924" y="4031132"/>
+                </a:lnTo>
+                <a:lnTo>
+                  <a:pt x="4245798" y="4163491"/>
+                </a:lnTo>
+                <a:lnTo>
+                  <a:pt x="4251009" y="4293793"/>
+                </a:lnTo>
+                <a:lnTo>
+                  <a:pt x="4255715" y="4421352"/>
+                </a:lnTo>
+                <a:lnTo>
+                  <a:pt x="4268995" y="4670298"/>
+                </a:lnTo>
+                <a:lnTo>
+                  <a:pt x="4283114" y="4908956"/>
+                </a:lnTo>
+                <a:lnTo>
+                  <a:pt x="4297906" y="5138013"/>
+                </a:lnTo>
+                <a:lnTo>
+                  <a:pt x="4314211" y="5354726"/>
+                </a:lnTo>
+                <a:lnTo>
+                  <a:pt x="4331188" y="5561838"/>
+                </a:lnTo>
+                <a:lnTo>
+                  <a:pt x="4349509" y="5753862"/>
+                </a:lnTo>
+                <a:lnTo>
+                  <a:pt x="4367495" y="5934227"/>
+                </a:lnTo>
+                <a:lnTo>
+                  <a:pt x="4385480" y="6100191"/>
+                </a:lnTo>
+                <a:lnTo>
+                  <a:pt x="4402457" y="6252438"/>
+                </a:lnTo>
+                <a:lnTo>
+                  <a:pt x="4418594" y="6387541"/>
+                </a:lnTo>
+                <a:lnTo>
+                  <a:pt x="4433890" y="6509613"/>
+                </a:lnTo>
+                <a:lnTo>
+                  <a:pt x="4446665" y="6612483"/>
+                </a:lnTo>
+                <a:lnTo>
+                  <a:pt x="4458767" y="6698894"/>
+                </a:lnTo>
+                <a:lnTo>
+                  <a:pt x="4476081" y="6817538"/>
+                </a:lnTo>
+                <a:lnTo>
+                  <a:pt x="4481964" y="6858000"/>
+                </a:lnTo>
+                <a:lnTo>
+                  <a:pt x="3577807" y="6858000"/>
+                </a:lnTo>
+                <a:lnTo>
+                  <a:pt x="0" y="6858000"/>
+                </a:lnTo>
+                <a:close/>
+              </a:path>
+            </a:pathLst>
+          </a:custGeom>
           <a:noFill/>
-          <a:effectLst/>
           <a:extLst>
             <a:ext uri="{909E8E84-426E-40DD-AFC4-6F175D3DCCD1}">
               <a14:hiddenFill xmlns:a14="http://schemas.microsoft.com/office/drawing/2010/main">
@@ -8150,6 +9682,59 @@
           </a:extLst>
         </p:spPr>
       </p:pic>
+      <p:sp>
+        <p:nvSpPr>
+          <p:cNvPr id="76" name="Rectangle 75">
+            <a:extLst>
+              <a:ext uri="{FF2B5EF4-FFF2-40B4-BE49-F238E27FC236}">
+                <a16:creationId xmlns:a16="http://schemas.microsoft.com/office/drawing/2014/main" id="{60817A52-B891-4228-A61E-0C0A57632DDA}"/>
+              </a:ext>
+              <a:ext uri="{C183D7F6-B498-43B3-948B-1728B52AA6E4}">
+                <adec:decorative xmlns:adec="http://schemas.microsoft.com/office/drawing/2017/decorative" val="1"/>
+              </a:ext>
+            </a:extLst>
+          </p:cNvPr>
+          <p:cNvSpPr>
+            <a:spLocks noGrp="1" noRot="1" noChangeAspect="1" noMove="1" noResize="1" noEditPoints="1" noAdjustHandles="1" noChangeArrowheads="1" noChangeShapeType="1" noTextEdit="1"/>
+          </p:cNvSpPr>
+          <p:nvPr>
+            <p:extLst>
+              <p:ext uri="{386F3935-93C4-4BCD-93E2-E3B085C9AB24}">
+                <p16:designElem xmlns:p16="http://schemas.microsoft.com/office/powerpoint/2015/main" val="1"/>
+              </p:ext>
+            </p:extLst>
+          </p:nvPr>
+        </p:nvSpPr>
+        <p:spPr>
+          <a:xfrm>
+            <a:off x="10437812" y="0"/>
+            <a:ext cx="685800" cy="1143000"/>
+          </a:xfrm>
+          <a:prstGeom prst="rect">
+            <a:avLst/>
+          </a:prstGeom>
+          <a:solidFill>
+            <a:schemeClr val="accent1"/>
+          </a:solidFill>
+          <a:ln>
+            <a:noFill/>
+          </a:ln>
+        </p:spPr>
+        <p:style>
+          <a:lnRef idx="1">
+            <a:schemeClr val="accent1"/>
+          </a:lnRef>
+          <a:fillRef idx="3">
+            <a:schemeClr val="accent1"/>
+          </a:fillRef>
+          <a:effectRef idx="2">
+            <a:schemeClr val="accent1"/>
+          </a:effectRef>
+          <a:fontRef idx="minor">
+            <a:schemeClr val="lt1"/>
+          </a:fontRef>
+        </p:style>
+      </p:sp>
       <p:pic>
         <p:nvPicPr>
           <p:cNvPr id="7" name="Picture 6" descr="A picture containing computer&#10;&#10;Description automatically generated">
@@ -8165,7 +9750,7 @@
           <p:nvPr/>
         </p:nvPicPr>
         <p:blipFill>
-          <a:blip r:embed="rId8">
+          <a:blip r:embed="rId10">
             <a:extLst>
               <a:ext uri="{28A0092B-C50C-407E-A947-70E740481C1C}">
                 <a14:useLocalDpi xmlns:a14="http://schemas.microsoft.com/office/drawing/2010/main" val="0"/>
